--- a/投资反思.pptx
+++ b/投资反思.pptx
@@ -8,6 +8,7 @@
     <p:sldId id="256" r:id="rId3"/>
     <p:sldId id="257" r:id="rId4"/>
     <p:sldId id="258" r:id="rId5"/>
+    <p:sldId id="259" r:id="rId6"/>
   </p:sldIdLst>
   <p:sldSz cx="12192000" cy="6858000"/>
   <p:notesSz cx="6858000" cy="9144000"/>
@@ -2932,7 +2933,6 @@
           <a:p>
             <a:r>
               <a:rPr lang="zh-CN" altLang="en-US">
-                <a:ln/>
                 <a:solidFill>
                   <a:srgbClr val="FF0000"/>
                 </a:solidFill>
@@ -2947,7 +2947,6 @@
               <a:t>投资反思记录</a:t>
             </a:r>
             <a:endParaRPr lang="zh-CN" altLang="en-US">
-              <a:ln/>
               <a:solidFill>
                 <a:srgbClr val="FF0000"/>
               </a:solidFill>
@@ -2983,7 +2982,6 @@
           <a:p>
             <a:r>
               <a:rPr lang="zh-CN" altLang="en-US">
-                <a:ln/>
                 <a:solidFill>
                   <a:schemeClr val="accent1"/>
                 </a:solidFill>
@@ -2998,7 +2996,6 @@
               <a:t>记录曾经犯下的错误，以及未能及时参与的机会</a:t>
             </a:r>
             <a:endParaRPr lang="zh-CN" altLang="en-US">
-              <a:ln/>
               <a:solidFill>
                 <a:schemeClr val="accent1"/>
               </a:solidFill>
@@ -3077,7 +3074,6 @@
           <a:p>
             <a:r>
               <a:rPr lang="zh-CN" altLang="en-US">
-                <a:ln/>
                 <a:solidFill>
                   <a:schemeClr val="accent1"/>
                 </a:solidFill>
@@ -3093,7 +3089,6 @@
             </a:r>
             <a:r>
               <a:rPr lang="en-US" altLang="zh-CN">
-                <a:ln/>
                 <a:solidFill>
                   <a:schemeClr val="accent1"/>
                 </a:solidFill>
@@ -3109,7 +3104,6 @@
             </a:r>
             <a:r>
               <a:rPr lang="zh-CN" altLang="en-US">
-                <a:ln/>
                 <a:solidFill>
                   <a:schemeClr val="accent1"/>
                 </a:solidFill>
@@ -3124,7 +3118,6 @@
               <a:t>）</a:t>
             </a:r>
             <a:endParaRPr lang="zh-CN" altLang="en-US">
-              <a:ln/>
               <a:solidFill>
                 <a:schemeClr val="accent1"/>
               </a:solidFill>
@@ -3139,7 +3132,6 @@
           </a:p>
           <a:p>
             <a:endParaRPr lang="zh-CN" altLang="en-US">
-              <a:ln/>
               <a:solidFill>
                 <a:schemeClr val="accent1"/>
               </a:solidFill>
@@ -3155,7 +3147,6 @@
           <a:p>
             <a:r>
               <a:rPr lang="zh-CN" altLang="en-US">
-                <a:ln/>
                 <a:solidFill>
                   <a:schemeClr val="accent1"/>
                 </a:solidFill>
@@ -3170,7 +3161,6 @@
               <a:t>已知反内卷，煤炭可能会上涨，可以提前埋伏</a:t>
             </a:r>
             <a:endParaRPr lang="zh-CN" altLang="en-US">
-              <a:ln/>
               <a:solidFill>
                 <a:schemeClr val="accent1"/>
               </a:solidFill>
@@ -3186,7 +3176,6 @@
           <a:p>
             <a:r>
               <a:rPr lang="zh-CN" altLang="en-US">
-                <a:ln/>
                 <a:solidFill>
                   <a:schemeClr val="accent1"/>
                 </a:solidFill>
@@ -3201,7 +3190,6 @@
               <a:t>山西焦煤本身个股就不错，可以长线投资</a:t>
             </a:r>
             <a:endParaRPr lang="zh-CN" altLang="en-US">
-              <a:ln/>
               <a:solidFill>
                 <a:schemeClr val="accent1"/>
               </a:solidFill>
@@ -3216,7 +3204,6 @@
           </a:p>
           <a:p>
             <a:endParaRPr lang="zh-CN" altLang="en-US">
-              <a:ln/>
               <a:solidFill>
                 <a:schemeClr val="accent1"/>
               </a:solidFill>
@@ -3232,7 +3219,6 @@
           <a:p>
             <a:r>
               <a:rPr lang="zh-CN" altLang="en-US">
-                <a:ln/>
                 <a:solidFill>
                   <a:schemeClr val="accent1"/>
                 </a:solidFill>
@@ -3247,7 +3233,6 @@
               <a:t>反思：仓位不够重，错失涨停，本应该在买入的仓位上再加一点</a:t>
             </a:r>
             <a:endParaRPr lang="zh-CN" altLang="en-US">
-              <a:ln/>
               <a:solidFill>
                 <a:schemeClr val="accent1"/>
               </a:solidFill>
@@ -3501,6 +3486,199 @@
                 </a:effectLst>
               </a:rPr>
               <a:t>反思：仓位不够重，错失涨停，本应该在买入的仓位上再加一点</a:t>
+            </a:r>
+            <a:endParaRPr lang="zh-CN" altLang="en-US">
+              <a:solidFill>
+                <a:schemeClr val="accent1"/>
+              </a:solidFill>
+              <a:effectLst>
+                <a:outerShdw blurRad="38100" dist="25400" dir="5400000" algn="ctr" rotWithShape="0">
+                  <a:srgbClr val="6E747A">
+                    <a:alpha val="43000"/>
+                  </a:srgbClr>
+                </a:outerShdw>
+              </a:effectLst>
+            </a:endParaRPr>
+          </a:p>
+        </p:txBody>
+      </p:sp>
+    </p:spTree>
+  </p:cSld>
+  <p:clrMapOvr>
+    <a:masterClrMapping/>
+  </p:clrMapOvr>
+</p:sld>
+</file>
+
+<file path=ppt/slides/slide4.xml><?xml version="1.0" encoding="utf-8"?>
+<p:sld xmlns:a="http://schemas.openxmlformats.org/drawingml/2006/main" xmlns:r="http://schemas.openxmlformats.org/officeDocument/2006/relationships" xmlns:p="http://schemas.openxmlformats.org/presentationml/2006/main">
+  <p:cSld>
+    <p:spTree>
+      <p:nvGrpSpPr>
+        <p:cNvPr id="1" name=""/>
+        <p:cNvGrpSpPr/>
+        <p:nvPr/>
+      </p:nvGrpSpPr>
+      <p:grpSpPr/>
+      <p:sp>
+        <p:nvSpPr>
+          <p:cNvPr id="2" name="标题 1"/>
+          <p:cNvSpPr>
+            <a:spLocks noGrp="1"/>
+          </p:cNvSpPr>
+          <p:nvPr>
+            <p:ph type="title"/>
+          </p:nvPr>
+        </p:nvSpPr>
+        <p:spPr/>
+        <p:txBody>
+          <a:bodyPr/>
+          <a:p>
+            <a:r>
+              <a:rPr lang="en-US" altLang="zh-CN">
+                <a:solidFill>
+                  <a:srgbClr val="FF0000"/>
+                </a:solidFill>
+              </a:rPr>
+              <a:t>2025/07/25</a:t>
+            </a:r>
+            <a:endParaRPr lang="en-US" altLang="zh-CN">
+              <a:solidFill>
+                <a:srgbClr val="FF0000"/>
+              </a:solidFill>
+            </a:endParaRPr>
+          </a:p>
+        </p:txBody>
+      </p:sp>
+      <p:sp>
+        <p:nvSpPr>
+          <p:cNvPr id="3" name="内容占位符 2"/>
+          <p:cNvSpPr>
+            <a:spLocks noGrp="1"/>
+          </p:cNvSpPr>
+          <p:nvPr>
+            <p:ph idx="1"/>
+          </p:nvPr>
+        </p:nvSpPr>
+        <p:spPr/>
+        <p:txBody>
+          <a:bodyPr/>
+          <a:p>
+            <a:r>
+              <a:rPr lang="zh-CN" altLang="en-US">
+                <a:solidFill>
+                  <a:schemeClr val="accent1"/>
+                </a:solidFill>
+                <a:effectLst>
+                  <a:outerShdw blurRad="38100" dist="25400" dir="5400000" algn="ctr" rotWithShape="0">
+                    <a:srgbClr val="6E747A">
+                      <a:alpha val="43000"/>
+                    </a:srgbClr>
+                  </a:outerShdw>
+                </a:effectLst>
+              </a:rPr>
+              <a:t>东方电器，盈利大幅回撤，现在已经亏损。</a:t>
+            </a:r>
+            <a:endParaRPr lang="zh-CN" altLang="en-US">
+              <a:solidFill>
+                <a:schemeClr val="accent1"/>
+              </a:solidFill>
+              <a:effectLst>
+                <a:outerShdw blurRad="38100" dist="25400" dir="5400000" algn="ctr" rotWithShape="0">
+                  <a:srgbClr val="6E747A">
+                    <a:alpha val="43000"/>
+                  </a:srgbClr>
+                </a:outerShdw>
+              </a:effectLst>
+            </a:endParaRPr>
+          </a:p>
+          <a:p>
+            <a:endParaRPr lang="zh-CN" altLang="en-US">
+              <a:solidFill>
+                <a:schemeClr val="accent1"/>
+              </a:solidFill>
+              <a:effectLst>
+                <a:outerShdw blurRad="38100" dist="25400" dir="5400000" algn="ctr" rotWithShape="0">
+                  <a:srgbClr val="6E747A">
+                    <a:alpha val="43000"/>
+                  </a:srgbClr>
+                </a:outerShdw>
+              </a:effectLst>
+            </a:endParaRPr>
+          </a:p>
+          <a:p>
+            <a:r>
+              <a:rPr lang="zh-CN" altLang="en-US">
+                <a:solidFill>
+                  <a:schemeClr val="accent1"/>
+                </a:solidFill>
+                <a:effectLst>
+                  <a:outerShdw blurRad="38100" dist="25400" dir="5400000" algn="ctr" rotWithShape="0">
+                    <a:srgbClr val="6E747A">
+                      <a:alpha val="43000"/>
+                    </a:srgbClr>
+                  </a:outerShdw>
+                </a:effectLst>
+              </a:rPr>
+              <a:t>短线操作切记，在盘面变弱的时候，要坚决斩仓，不可以犹豫。</a:t>
+            </a:r>
+            <a:endParaRPr lang="zh-CN" altLang="en-US">
+              <a:solidFill>
+                <a:schemeClr val="accent1"/>
+              </a:solidFill>
+              <a:effectLst>
+                <a:outerShdw blurRad="38100" dist="25400" dir="5400000" algn="ctr" rotWithShape="0">
+                  <a:srgbClr val="6E747A">
+                    <a:alpha val="43000"/>
+                  </a:srgbClr>
+                </a:outerShdw>
+              </a:effectLst>
+            </a:endParaRPr>
+          </a:p>
+          <a:p>
+            <a:r>
+              <a:rPr lang="zh-CN" altLang="en-US">
+                <a:solidFill>
+                  <a:schemeClr val="accent1"/>
+                </a:solidFill>
+                <a:effectLst>
+                  <a:outerShdw blurRad="38100" dist="25400" dir="5400000" algn="ctr" rotWithShape="0">
+                    <a:srgbClr val="6E747A">
+                      <a:alpha val="43000"/>
+                    </a:srgbClr>
+                  </a:outerShdw>
+                </a:effectLst>
+              </a:rPr>
+              <a:t>之前在光伏上面已经吃过这种亏了，需要好好反思。</a:t>
+            </a:r>
+            <a:endParaRPr lang="zh-CN" altLang="en-US">
+              <a:solidFill>
+                <a:schemeClr val="accent1"/>
+              </a:solidFill>
+              <a:effectLst>
+                <a:outerShdw blurRad="38100" dist="25400" dir="5400000" algn="ctr" rotWithShape="0">
+                  <a:srgbClr val="6E747A">
+                    <a:alpha val="43000"/>
+                  </a:srgbClr>
+                </a:outerShdw>
+              </a:effectLst>
+            </a:endParaRPr>
+          </a:p>
+          <a:p>
+            <a:r>
+              <a:rPr lang="zh-CN" altLang="en-US">
+                <a:solidFill>
+                  <a:schemeClr val="accent1"/>
+                </a:solidFill>
+                <a:effectLst>
+                  <a:outerShdw blurRad="38100" dist="25400" dir="5400000" algn="ctr" rotWithShape="0">
+                    <a:srgbClr val="6E747A">
+                      <a:alpha val="43000"/>
+                    </a:srgbClr>
+                  </a:outerShdw>
+                </a:effectLst>
+              </a:rPr>
+              <a:t>开板追高了，就要及时止损，不能再贪心了！</a:t>
             </a:r>
             <a:endParaRPr lang="zh-CN" altLang="en-US">
               <a:solidFill>

--- a/投资反思.pptx
+++ b/投资反思.pptx
@@ -9,6 +9,7 @@
     <p:sldId id="257" r:id="rId4"/>
     <p:sldId id="258" r:id="rId5"/>
     <p:sldId id="259" r:id="rId6"/>
+    <p:sldId id="260" r:id="rId7"/>
   </p:sldIdLst>
   <p:sldSz cx="12192000" cy="6858000"/>
   <p:notesSz cx="6858000" cy="9144000"/>
@@ -3703,6 +3704,264 @@
 </p:sld>
 </file>
 
+<file path=ppt/slides/slide5.xml><?xml version="1.0" encoding="utf-8"?>
+<p:sld xmlns:a="http://schemas.openxmlformats.org/drawingml/2006/main" xmlns:r="http://schemas.openxmlformats.org/officeDocument/2006/relationships" xmlns:p="http://schemas.openxmlformats.org/presentationml/2006/main">
+  <p:cSld>
+    <p:spTree>
+      <p:nvGrpSpPr>
+        <p:cNvPr id="1" name=""/>
+        <p:cNvGrpSpPr/>
+        <p:nvPr/>
+      </p:nvGrpSpPr>
+      <p:grpSpPr/>
+      <p:sp>
+        <p:nvSpPr>
+          <p:cNvPr id="2" name="标题 1"/>
+          <p:cNvSpPr>
+            <a:spLocks noGrp="1"/>
+          </p:cNvSpPr>
+          <p:nvPr>
+            <p:ph type="title"/>
+          </p:nvPr>
+        </p:nvSpPr>
+        <p:spPr/>
+        <p:txBody>
+          <a:bodyPr/>
+          <a:p>
+            <a:r>
+              <a:rPr lang="en-US" altLang="zh-CN">
+                <a:solidFill>
+                  <a:srgbClr val="FF0000"/>
+                </a:solidFill>
+              </a:rPr>
+              <a:t>2025/07/28</a:t>
+            </a:r>
+            <a:endParaRPr lang="en-US" altLang="zh-CN">
+              <a:solidFill>
+                <a:srgbClr val="FF0000"/>
+              </a:solidFill>
+            </a:endParaRPr>
+          </a:p>
+        </p:txBody>
+      </p:sp>
+      <p:sp>
+        <p:nvSpPr>
+          <p:cNvPr id="3" name="内容占位符 2"/>
+          <p:cNvSpPr>
+            <a:spLocks noGrp="1"/>
+          </p:cNvSpPr>
+          <p:nvPr>
+            <p:ph idx="1"/>
+          </p:nvPr>
+        </p:nvSpPr>
+        <p:spPr/>
+        <p:txBody>
+          <a:bodyPr/>
+          <a:p>
+            <a:r>
+              <a:rPr lang="zh-CN" altLang="en-US">
+                <a:solidFill>
+                  <a:schemeClr val="accent1"/>
+                </a:solidFill>
+                <a:effectLst>
+                  <a:outerShdw blurRad="38100" dist="25400" dir="5400000" algn="ctr" rotWithShape="0">
+                    <a:srgbClr val="6E747A">
+                      <a:alpha val="43000"/>
+                    </a:srgbClr>
+                  </a:outerShdw>
+                </a:effectLst>
+              </a:rPr>
+              <a:t>高争民爆，盘面变弱，有盈利的时候没有跑。</a:t>
+            </a:r>
+            <a:endParaRPr lang="zh-CN" altLang="en-US">
+              <a:solidFill>
+                <a:schemeClr val="accent1"/>
+              </a:solidFill>
+              <a:effectLst>
+                <a:outerShdw blurRad="38100" dist="25400" dir="5400000" algn="ctr" rotWithShape="0">
+                  <a:srgbClr val="6E747A">
+                    <a:alpha val="43000"/>
+                  </a:srgbClr>
+                </a:outerShdw>
+              </a:effectLst>
+            </a:endParaRPr>
+          </a:p>
+          <a:p>
+            <a:endParaRPr lang="zh-CN" altLang="en-US">
+              <a:solidFill>
+                <a:schemeClr val="accent1"/>
+              </a:solidFill>
+              <a:effectLst>
+                <a:outerShdw blurRad="38100" dist="25400" dir="5400000" algn="ctr" rotWithShape="0">
+                  <a:srgbClr val="6E747A">
+                    <a:alpha val="43000"/>
+                  </a:srgbClr>
+                </a:outerShdw>
+              </a:effectLst>
+            </a:endParaRPr>
+          </a:p>
+          <a:p>
+            <a:r>
+              <a:rPr lang="zh-CN" altLang="en-US">
+                <a:solidFill>
+                  <a:schemeClr val="accent1"/>
+                </a:solidFill>
+                <a:effectLst>
+                  <a:outerShdw blurRad="38100" dist="25400" dir="5400000" algn="ctr" rotWithShape="0">
+                    <a:srgbClr val="6E747A">
+                      <a:alpha val="43000"/>
+                    </a:srgbClr>
+                  </a:outerShdw>
+                </a:effectLst>
+              </a:rPr>
+              <a:t>短线操作切记，在盘面变弱的时候，要坚决斩仓，不可以犹豫！</a:t>
+            </a:r>
+            <a:endParaRPr lang="zh-CN" altLang="en-US">
+              <a:solidFill>
+                <a:schemeClr val="accent1"/>
+              </a:solidFill>
+              <a:effectLst>
+                <a:outerShdw blurRad="38100" dist="25400" dir="5400000" algn="ctr" rotWithShape="0">
+                  <a:srgbClr val="6E747A">
+                    <a:alpha val="43000"/>
+                  </a:srgbClr>
+                </a:outerShdw>
+              </a:effectLst>
+            </a:endParaRPr>
+          </a:p>
+          <a:p>
+            <a:r>
+              <a:rPr lang="zh-CN" altLang="en-US">
+                <a:solidFill>
+                  <a:schemeClr val="accent1"/>
+                </a:solidFill>
+                <a:effectLst>
+                  <a:outerShdw blurRad="38100" dist="25400" dir="5400000" algn="ctr" rotWithShape="0">
+                    <a:srgbClr val="6E747A">
+                      <a:alpha val="43000"/>
+                    </a:srgbClr>
+                  </a:outerShdw>
+                </a:effectLst>
+              </a:rPr>
+              <a:t>之前在光伏上面已经吃过这种亏了，需要好好反思！</a:t>
+            </a:r>
+            <a:endParaRPr lang="zh-CN" altLang="en-US">
+              <a:solidFill>
+                <a:schemeClr val="accent1"/>
+              </a:solidFill>
+              <a:effectLst>
+                <a:outerShdw blurRad="38100" dist="25400" dir="5400000" algn="ctr" rotWithShape="0">
+                  <a:srgbClr val="6E747A">
+                    <a:alpha val="43000"/>
+                  </a:srgbClr>
+                </a:outerShdw>
+              </a:effectLst>
+            </a:endParaRPr>
+          </a:p>
+          <a:p>
+            <a:r>
+              <a:rPr lang="zh-CN" altLang="en-US">
+                <a:solidFill>
+                  <a:schemeClr val="accent1"/>
+                </a:solidFill>
+                <a:effectLst>
+                  <a:outerShdw blurRad="38100" dist="25400" dir="5400000" algn="ctr" rotWithShape="0">
+                    <a:srgbClr val="6E747A">
+                      <a:alpha val="43000"/>
+                    </a:srgbClr>
+                  </a:outerShdw>
+                </a:effectLst>
+              </a:rPr>
+              <a:t>有盈利，有机会跑，就是因为贪心才没有跑，导致大亏！</a:t>
+            </a:r>
+            <a:endParaRPr lang="zh-CN" altLang="en-US">
+              <a:solidFill>
+                <a:schemeClr val="accent1"/>
+              </a:solidFill>
+              <a:effectLst>
+                <a:outerShdw blurRad="38100" dist="25400" dir="5400000" algn="ctr" rotWithShape="0">
+                  <a:srgbClr val="6E747A">
+                    <a:alpha val="43000"/>
+                  </a:srgbClr>
+                </a:outerShdw>
+              </a:effectLst>
+            </a:endParaRPr>
+          </a:p>
+          <a:p>
+            <a:r>
+              <a:rPr lang="zh-CN" altLang="en-US">
+                <a:solidFill>
+                  <a:schemeClr val="accent1"/>
+                </a:solidFill>
+                <a:effectLst>
+                  <a:outerShdw blurRad="38100" dist="25400" dir="5400000" algn="ctr" rotWithShape="0">
+                    <a:srgbClr val="6E747A">
+                      <a:alpha val="43000"/>
+                    </a:srgbClr>
+                  </a:outerShdw>
+                </a:effectLst>
+              </a:rPr>
+              <a:t>后悔药要经常吃，吃够了才能长记性。</a:t>
+            </a:r>
+            <a:endParaRPr lang="zh-CN" altLang="en-US">
+              <a:solidFill>
+                <a:schemeClr val="accent1"/>
+              </a:solidFill>
+              <a:effectLst>
+                <a:outerShdw blurRad="38100" dist="25400" dir="5400000" algn="ctr" rotWithShape="0">
+                  <a:srgbClr val="6E747A">
+                    <a:alpha val="43000"/>
+                  </a:srgbClr>
+                </a:outerShdw>
+              </a:effectLst>
+            </a:endParaRPr>
+          </a:p>
+        </p:txBody>
+      </p:sp>
+      <p:sp>
+        <p:nvSpPr>
+          <p:cNvPr id="4" name="文本框 3"/>
+          <p:cNvSpPr txBox="1"/>
+          <p:nvPr/>
+        </p:nvSpPr>
+        <p:spPr>
+          <a:xfrm>
+            <a:off x="3556000" y="3260408"/>
+            <a:ext cx="5080000" cy="337185"/>
+          </a:xfrm>
+          <a:prstGeom prst="rect">
+            <a:avLst/>
+          </a:prstGeom>
+        </p:spPr>
+        <p:txBody>
+          <a:bodyPr>
+            <a:spAutoFit/>
+          </a:bodyPr>
+          <a:p>
+            <a:r>
+              <a:rPr lang="en-US" altLang="zh-CN" sz="1600">
+                <a:solidFill>
+                  <a:srgbClr val="D0D0D0"/>
+                </a:solidFill>
+              </a:rPr>
+              <a:t>        </a:t>
+            </a:r>
+            <a:endParaRPr lang="en-US" altLang="zh-CN" sz="1600">
+              <a:solidFill>
+                <a:srgbClr val="D0D0D0"/>
+              </a:solidFill>
+            </a:endParaRPr>
+          </a:p>
+        </p:txBody>
+      </p:sp>
+    </p:spTree>
+  </p:cSld>
+  <p:clrMapOvr>
+    <a:masterClrMapping/>
+  </p:clrMapOvr>
+</p:sld>
+</file>
+
 <file path=ppt/theme/theme1.xml><?xml version="1.0" encoding="utf-8"?>
 <a:theme xmlns:a="http://schemas.openxmlformats.org/drawingml/2006/main" name="WPS">
   <a:themeElements>

--- a/投资反思.pptx
+++ b/投资反思.pptx
@@ -10,6 +10,7 @@
     <p:sldId id="258" r:id="rId5"/>
     <p:sldId id="259" r:id="rId6"/>
     <p:sldId id="260" r:id="rId7"/>
+    <p:sldId id="261" r:id="rId8"/>
   </p:sldIdLst>
   <p:sldSz cx="12192000" cy="6858000"/>
   <p:notesSz cx="6858000" cy="9144000"/>
@@ -3962,6 +3963,279 @@
 </p:sld>
 </file>
 
+<file path=ppt/slides/slide6.xml><?xml version="1.0" encoding="utf-8"?>
+<p:sld xmlns:a="http://schemas.openxmlformats.org/drawingml/2006/main" xmlns:r="http://schemas.openxmlformats.org/officeDocument/2006/relationships" xmlns:p="http://schemas.openxmlformats.org/presentationml/2006/main">
+  <p:cSld>
+    <p:spTree>
+      <p:nvGrpSpPr>
+        <p:cNvPr id="1" name=""/>
+        <p:cNvGrpSpPr/>
+        <p:nvPr/>
+      </p:nvGrpSpPr>
+      <p:grpSpPr/>
+      <p:sp>
+        <p:nvSpPr>
+          <p:cNvPr id="2" name="标题 1"/>
+          <p:cNvSpPr>
+            <a:spLocks noGrp="1"/>
+          </p:cNvSpPr>
+          <p:nvPr>
+            <p:ph type="title"/>
+          </p:nvPr>
+        </p:nvSpPr>
+        <p:spPr/>
+        <p:txBody>
+          <a:bodyPr/>
+          <a:p>
+            <a:r>
+              <a:rPr lang="en-US" altLang="zh-CN">
+                <a:solidFill>
+                  <a:srgbClr val="FF0000"/>
+                </a:solidFill>
+              </a:rPr>
+              <a:t>2025/07/29</a:t>
+            </a:r>
+            <a:endParaRPr lang="en-US" altLang="zh-CN">
+              <a:solidFill>
+                <a:srgbClr val="FF0000"/>
+              </a:solidFill>
+            </a:endParaRPr>
+          </a:p>
+        </p:txBody>
+      </p:sp>
+      <p:sp>
+        <p:nvSpPr>
+          <p:cNvPr id="3" name="内容占位符 2"/>
+          <p:cNvSpPr>
+            <a:spLocks noGrp="1"/>
+          </p:cNvSpPr>
+          <p:nvPr>
+            <p:ph idx="1"/>
+          </p:nvPr>
+        </p:nvSpPr>
+        <p:spPr/>
+        <p:txBody>
+          <a:bodyPr/>
+          <a:p>
+            <a:r>
+              <a:rPr lang="zh-CN" altLang="en-US">
+                <a:solidFill>
+                  <a:schemeClr val="accent1"/>
+                </a:solidFill>
+                <a:effectLst>
+                  <a:outerShdw blurRad="38100" dist="25400" dir="5400000" algn="ctr" rotWithShape="0">
+                    <a:srgbClr val="6E747A">
+                      <a:alpha val="43000"/>
+                    </a:srgbClr>
+                  </a:outerShdw>
+                </a:effectLst>
+              </a:rPr>
+              <a:t>锦欣生殖，中国飞鹤，一日游</a:t>
+            </a:r>
+            <a:endParaRPr lang="zh-CN" altLang="en-US">
+              <a:solidFill>
+                <a:schemeClr val="accent1"/>
+              </a:solidFill>
+              <a:effectLst>
+                <a:outerShdw blurRad="38100" dist="25400" dir="5400000" algn="ctr" rotWithShape="0">
+                  <a:srgbClr val="6E747A">
+                    <a:alpha val="43000"/>
+                  </a:srgbClr>
+                </a:outerShdw>
+              </a:effectLst>
+            </a:endParaRPr>
+          </a:p>
+          <a:p>
+            <a:r>
+              <a:rPr lang="zh-CN" altLang="en-US">
+                <a:solidFill>
+                  <a:schemeClr val="accent1"/>
+                </a:solidFill>
+                <a:effectLst>
+                  <a:outerShdw blurRad="38100" dist="25400" dir="5400000" algn="ctr" rotWithShape="0">
+                    <a:srgbClr val="6E747A">
+                      <a:alpha val="43000"/>
+                    </a:srgbClr>
+                  </a:outerShdw>
+                </a:effectLst>
+              </a:rPr>
+              <a:t>今天早盘冲进去了，进去就是最高点，一天就亏了</a:t>
+            </a:r>
+            <a:r>
+              <a:rPr lang="en-US" altLang="zh-CN">
+                <a:solidFill>
+                  <a:schemeClr val="accent1"/>
+                </a:solidFill>
+                <a:effectLst>
+                  <a:outerShdw blurRad="38100" dist="25400" dir="5400000" algn="ctr" rotWithShape="0">
+                    <a:srgbClr val="6E747A">
+                      <a:alpha val="43000"/>
+                    </a:srgbClr>
+                  </a:outerShdw>
+                </a:effectLst>
+              </a:rPr>
+              <a:t>5k</a:t>
+            </a:r>
+            <a:endParaRPr lang="en-US" altLang="zh-CN">
+              <a:solidFill>
+                <a:schemeClr val="accent1"/>
+              </a:solidFill>
+              <a:effectLst>
+                <a:outerShdw blurRad="38100" dist="25400" dir="5400000" algn="ctr" rotWithShape="0">
+                  <a:srgbClr val="6E747A">
+                    <a:alpha val="43000"/>
+                  </a:srgbClr>
+                </a:outerShdw>
+              </a:effectLst>
+            </a:endParaRPr>
+          </a:p>
+          <a:p>
+            <a:endParaRPr lang="en-US" altLang="zh-CN">
+              <a:solidFill>
+                <a:schemeClr val="accent1"/>
+              </a:solidFill>
+              <a:effectLst>
+                <a:outerShdw blurRad="38100" dist="25400" dir="5400000" algn="ctr" rotWithShape="0">
+                  <a:srgbClr val="6E747A">
+                    <a:alpha val="43000"/>
+                  </a:srgbClr>
+                </a:outerShdw>
+              </a:effectLst>
+            </a:endParaRPr>
+          </a:p>
+          <a:p>
+            <a:r>
+              <a:rPr lang="zh-CN" altLang="en-US">
+                <a:solidFill>
+                  <a:schemeClr val="accent1"/>
+                </a:solidFill>
+                <a:effectLst>
+                  <a:outerShdw blurRad="38100" dist="25400" dir="5400000" algn="ctr" rotWithShape="0">
+                    <a:srgbClr val="6E747A">
+                      <a:alpha val="43000"/>
+                    </a:srgbClr>
+                  </a:outerShdw>
+                </a:effectLst>
+              </a:rPr>
+              <a:t>想要短期搏一搏，没想到一点机会都不给，直接开埋，还是卖晚了，逻辑不够硬，资金都不跟，应该及时止损</a:t>
+            </a:r>
+            <a:endParaRPr lang="zh-CN" altLang="en-US">
+              <a:solidFill>
+                <a:schemeClr val="accent1"/>
+              </a:solidFill>
+              <a:effectLst>
+                <a:outerShdw blurRad="38100" dist="25400" dir="5400000" algn="ctr" rotWithShape="0">
+                  <a:srgbClr val="6E747A">
+                    <a:alpha val="43000"/>
+                  </a:srgbClr>
+                </a:outerShdw>
+              </a:effectLst>
+            </a:endParaRPr>
+          </a:p>
+          <a:p>
+            <a:r>
+              <a:rPr lang="zh-CN" altLang="en-US">
+                <a:solidFill>
+                  <a:schemeClr val="accent1"/>
+                </a:solidFill>
+                <a:effectLst>
+                  <a:outerShdw blurRad="38100" dist="25400" dir="5400000" algn="ctr" rotWithShape="0">
+                    <a:srgbClr val="6E747A">
+                      <a:alpha val="43000"/>
+                    </a:srgbClr>
+                  </a:outerShdw>
+                </a:effectLst>
+              </a:rPr>
+              <a:t>这种短期投机，首先要看逻辑硬不硬，然后再看资金跟不跟，很明显，今天这两点都不满足，所以要及时跑路</a:t>
+            </a:r>
+            <a:endParaRPr lang="zh-CN" altLang="en-US">
+              <a:solidFill>
+                <a:schemeClr val="accent1"/>
+              </a:solidFill>
+              <a:effectLst>
+                <a:outerShdw blurRad="38100" dist="25400" dir="5400000" algn="ctr" rotWithShape="0">
+                  <a:srgbClr val="6E747A">
+                    <a:alpha val="43000"/>
+                  </a:srgbClr>
+                </a:outerShdw>
+              </a:effectLst>
+            </a:endParaRPr>
+          </a:p>
+          <a:p>
+            <a:r>
+              <a:rPr lang="zh-CN" altLang="en-US">
+                <a:solidFill>
+                  <a:schemeClr val="accent1"/>
+                </a:solidFill>
+                <a:effectLst>
+                  <a:outerShdw blurRad="38100" dist="25400" dir="5400000" algn="ctr" rotWithShape="0">
+                    <a:srgbClr val="6E747A">
+                      <a:alpha val="43000"/>
+                    </a:srgbClr>
+                  </a:outerShdw>
+                </a:effectLst>
+              </a:rPr>
+              <a:t>切记，短期投机要果断！</a:t>
+            </a:r>
+            <a:endParaRPr lang="zh-CN" altLang="en-US">
+              <a:solidFill>
+                <a:schemeClr val="accent1"/>
+              </a:solidFill>
+              <a:effectLst>
+                <a:outerShdw blurRad="38100" dist="25400" dir="5400000" algn="ctr" rotWithShape="0">
+                  <a:srgbClr val="6E747A">
+                    <a:alpha val="43000"/>
+                  </a:srgbClr>
+                </a:outerShdw>
+              </a:effectLst>
+            </a:endParaRPr>
+          </a:p>
+        </p:txBody>
+      </p:sp>
+      <p:sp>
+        <p:nvSpPr>
+          <p:cNvPr id="4" name="文本框 3"/>
+          <p:cNvSpPr txBox="1"/>
+          <p:nvPr/>
+        </p:nvSpPr>
+        <p:spPr>
+          <a:xfrm>
+            <a:off x="3556000" y="3260408"/>
+            <a:ext cx="5080000" cy="337185"/>
+          </a:xfrm>
+          <a:prstGeom prst="rect">
+            <a:avLst/>
+          </a:prstGeom>
+        </p:spPr>
+        <p:txBody>
+          <a:bodyPr>
+            <a:spAutoFit/>
+          </a:bodyPr>
+          <a:p>
+            <a:r>
+              <a:rPr lang="en-US" altLang="zh-CN" sz="1600">
+                <a:solidFill>
+                  <a:srgbClr val="D0D0D0"/>
+                </a:solidFill>
+              </a:rPr>
+              <a:t>        </a:t>
+            </a:r>
+            <a:endParaRPr lang="en-US" altLang="zh-CN" sz="1600">
+              <a:solidFill>
+                <a:srgbClr val="D0D0D0"/>
+              </a:solidFill>
+            </a:endParaRPr>
+          </a:p>
+        </p:txBody>
+      </p:sp>
+    </p:spTree>
+  </p:cSld>
+  <p:clrMapOvr>
+    <a:masterClrMapping/>
+  </p:clrMapOvr>
+</p:sld>
+</file>
+
 <file path=ppt/theme/theme1.xml><?xml version="1.0" encoding="utf-8"?>
 <a:theme xmlns:a="http://schemas.openxmlformats.org/drawingml/2006/main" name="WPS">
   <a:themeElements>
